--- a/Part 5 - Querying/powerpoint/Query Optimization.pptx
+++ b/Part 5 - Querying/powerpoint/Query Optimization.pptx
@@ -1474,16 +1474,16 @@
     <dgm:cxn modelId="{5E8C5030-FF56-4F63-AAEC-0FEC6CECD305}" type="presOf" srcId="{E83C64C9-D6DC-4EEC-8117-5C19B1EAC618}" destId="{F5CEE42A-FF1B-468B-9B4F-0F0B3EBD8D86}" srcOrd="1" destOrd="0" presId="urn:microsoft.com/office/officeart/2005/8/layout/process3"/>
     <dgm:cxn modelId="{02E3EA42-BCBC-464F-844B-504F7B95E31B}" type="presOf" srcId="{700D0C89-0988-4F13-9AD2-C7054AF00A77}" destId="{80006ECC-0A04-4E1B-9FCD-3242290BD758}" srcOrd="1" destOrd="0" presId="urn:microsoft.com/office/officeart/2005/8/layout/process3"/>
     <dgm:cxn modelId="{AF8CD246-65B0-4058-9682-0478E72BB5C7}" type="presOf" srcId="{5E13D189-DFAD-4E20-B27F-BF51B8675207}" destId="{76084B27-A81D-40A1-A43A-E32F3F95ADE3}" srcOrd="0" destOrd="0" presId="urn:microsoft.com/office/officeart/2005/8/layout/process3"/>
+    <dgm:cxn modelId="{F4E9694A-AA22-4840-ABDC-556183BBABAE}" srcId="{69D17226-F5A9-48A9-91B3-D349E4C8E5FE}" destId="{E83C64C9-D6DC-4EEC-8117-5C19B1EAC618}" srcOrd="4" destOrd="0" parTransId="{A7289034-905B-40E7-92CE-9C5B2066C72D}" sibTransId="{BCC008F7-31EC-4DE5-8574-193C37DE029B}"/>
+    <dgm:cxn modelId="{10852C4D-F905-45C6-ADF7-676E64CFF34E}" type="presOf" srcId="{48676279-58FF-4ACA-9692-2962A9FBF046}" destId="{B4047703-167E-43CC-9A43-8ECB12575B89}" srcOrd="1" destOrd="0" presId="urn:microsoft.com/office/officeart/2005/8/layout/process3"/>
+    <dgm:cxn modelId="{A9866F51-5897-4324-A83D-98B6E16B193C}" type="presOf" srcId="{E83C64C9-D6DC-4EEC-8117-5C19B1EAC618}" destId="{C8E1E503-459D-4670-8F8C-AD51E9C87C5C}" srcOrd="0" destOrd="0" presId="urn:microsoft.com/office/officeart/2005/8/layout/process3"/>
+    <dgm:cxn modelId="{A1C88E58-A7E9-4413-A2A0-51D3C90E06A7}" type="presOf" srcId="{700D0C89-0988-4F13-9AD2-C7054AF00A77}" destId="{361EC3BF-A839-48A7-B0A7-612FE27BF53F}" srcOrd="0" destOrd="0" presId="urn:microsoft.com/office/officeart/2005/8/layout/process3"/>
     <dgm:cxn modelId="{71C4B068-7E69-4423-BF52-2FDA7E52819D}" type="presOf" srcId="{D1BEAB2F-38FF-44E0-964C-F1A5088E2FAF}" destId="{23553D2E-1B42-4A3C-AC33-0799A9E3F09F}" srcOrd="0" destOrd="0" presId="urn:microsoft.com/office/officeart/2005/8/layout/process3"/>
-    <dgm:cxn modelId="{F4E9694A-AA22-4840-ABDC-556183BBABAE}" srcId="{69D17226-F5A9-48A9-91B3-D349E4C8E5FE}" destId="{E83C64C9-D6DC-4EEC-8117-5C19B1EAC618}" srcOrd="4" destOrd="0" parTransId="{A7289034-905B-40E7-92CE-9C5B2066C72D}" sibTransId="{BCC008F7-31EC-4DE5-8574-193C37DE029B}"/>
     <dgm:cxn modelId="{1BF2166B-01BA-4EBC-AEF2-C630A8D2591A}" type="presOf" srcId="{48676279-58FF-4ACA-9692-2962A9FBF046}" destId="{F2C0E9E9-D1EB-4291-AA79-A4D818C49170}" srcOrd="0" destOrd="0" presId="urn:microsoft.com/office/officeart/2005/8/layout/process3"/>
     <dgm:cxn modelId="{2AF5BA6B-2677-423C-981B-4FEF0BB7DE9B}" type="presOf" srcId="{D1CD24D2-11BD-4137-BA78-7A84CF9E9A01}" destId="{99F785B5-A017-465B-B15A-B467D2B3617E}" srcOrd="0" destOrd="0" presId="urn:microsoft.com/office/officeart/2005/8/layout/process3"/>
     <dgm:cxn modelId="{F519656C-189E-4DAC-9303-469D934A89B8}" srcId="{D1BEAB2F-38FF-44E0-964C-F1A5088E2FAF}" destId="{7B5DD455-99AC-4BCF-A3B6-1D112DED95B2}" srcOrd="0" destOrd="0" parTransId="{ED8F5133-50D5-4A03-815C-523B0156E196}" sibTransId="{D509C4E7-C5EB-4739-B696-514BC1AE3872}"/>
-    <dgm:cxn modelId="{10852C4D-F905-45C6-ADF7-676E64CFF34E}" type="presOf" srcId="{48676279-58FF-4ACA-9692-2962A9FBF046}" destId="{B4047703-167E-43CC-9A43-8ECB12575B89}" srcOrd="1" destOrd="0" presId="urn:microsoft.com/office/officeart/2005/8/layout/process3"/>
-    <dgm:cxn modelId="{A9866F51-5897-4324-A83D-98B6E16B193C}" type="presOf" srcId="{E83C64C9-D6DC-4EEC-8117-5C19B1EAC618}" destId="{C8E1E503-459D-4670-8F8C-AD51E9C87C5C}" srcOrd="0" destOrd="0" presId="urn:microsoft.com/office/officeart/2005/8/layout/process3"/>
     <dgm:cxn modelId="{E2527C71-8F92-4469-BAA2-E1FCFC408D01}" srcId="{4DE0BF30-18C5-4036-8B91-D147CE47473C}" destId="{4D243C7C-352F-4AD5-AA44-73C963227B97}" srcOrd="0" destOrd="0" parTransId="{AD6BAE06-7437-4881-AA1D-26689814989B}" sibTransId="{F9A573AC-CD9D-4ED1-A7E5-B03ED566364A}"/>
     <dgm:cxn modelId="{14C37273-5793-4C7E-9EF3-56FEF59DE796}" type="presOf" srcId="{D1BEAB2F-38FF-44E0-964C-F1A5088E2FAF}" destId="{08DFF191-DDB7-4BBB-A891-35CE4BD7FD62}" srcOrd="1" destOrd="0" presId="urn:microsoft.com/office/officeart/2005/8/layout/process3"/>
-    <dgm:cxn modelId="{A1C88E58-A7E9-4413-A2A0-51D3C90E06A7}" type="presOf" srcId="{700D0C89-0988-4F13-9AD2-C7054AF00A77}" destId="{361EC3BF-A839-48A7-B0A7-612FE27BF53F}" srcOrd="0" destOrd="0" presId="urn:microsoft.com/office/officeart/2005/8/layout/process3"/>
     <dgm:cxn modelId="{20572B94-532D-4A81-8F38-586238A219C2}" type="presOf" srcId="{4DE0BF30-18C5-4036-8B91-D147CE47473C}" destId="{BF050395-4B2D-4B0F-B5C8-EEDD64A74DA4}" srcOrd="0" destOrd="0" presId="urn:microsoft.com/office/officeart/2005/8/layout/process3"/>
     <dgm:cxn modelId="{94C74D94-7976-4BC1-978C-EE84583D661F}" srcId="{69D17226-F5A9-48A9-91B3-D349E4C8E5FE}" destId="{D1BEAB2F-38FF-44E0-964C-F1A5088E2FAF}" srcOrd="3" destOrd="0" parTransId="{7BB50FA7-B656-4EA0-A408-DE6A7ACBEDA3}" sibTransId="{48676279-58FF-4ACA-9692-2962A9FBF046}"/>
     <dgm:cxn modelId="{5C126895-E4A7-45B4-B30C-6B1F68A5ECFA}" srcId="{8F4506F1-B9B9-40CA-A87A-9240ED753B10}" destId="{5564CB62-2849-4781-A245-8F63F15441FE}" srcOrd="0" destOrd="0" parTransId="{1CB8DB16-D02F-4C7D-A37A-1CDD44B5EB88}" sibTransId="{CADD2384-BA99-4CD2-8A30-E171C267E28E}"/>
@@ -4035,7 +4035,7 @@
           <a:p>
             <a:fld id="{F666E1FD-E7A0-497B-BBC0-740BAAC97C64}" type="datetimeFigureOut">
               <a:rPr lang="en-PH" smtClean="0"/>
-              <a:t>01/02/2024</a:t>
+              <a:t>2/1/24</a:t>
             </a:fld>
             <a:endParaRPr lang="en-PH"/>
           </a:p>
@@ -4303,6 +4303,100 @@
 </p:notesMaster>
 </file>
 
+<file path=ppt/notesSlides/notesSlide1.xml><?xml version="1.0" encoding="utf-8"?>
+<p:notes xmlns:a="http://schemas.openxmlformats.org/drawingml/2006/main" xmlns:r="http://schemas.openxmlformats.org/officeDocument/2006/relationships" xmlns:p="http://schemas.openxmlformats.org/presentationml/2006/main">
+  <p:cSld>
+    <p:spTree>
+      <p:nvGrpSpPr>
+        <p:cNvPr id="1" name=""/>
+        <p:cNvGrpSpPr/>
+        <p:nvPr/>
+      </p:nvGrpSpPr>
+      <p:grpSpPr>
+        <a:xfrm>
+          <a:off x="0" y="0"/>
+          <a:ext cx="0" cy="0"/>
+          <a:chOff x="0" y="0"/>
+          <a:chExt cx="0" cy="0"/>
+        </a:xfrm>
+      </p:grpSpPr>
+      <p:sp>
+        <p:nvSpPr>
+          <p:cNvPr id="2" name="Slide Image Placeholder 1"/>
+          <p:cNvSpPr>
+            <a:spLocks noGrp="1" noRot="1" noChangeAspect="1"/>
+          </p:cNvSpPr>
+          <p:nvPr>
+            <p:ph type="sldImg"/>
+          </p:nvPr>
+        </p:nvSpPr>
+        <p:spPr/>
+      </p:sp>
+      <p:sp>
+        <p:nvSpPr>
+          <p:cNvPr id="3" name="Notes Placeholder 2"/>
+          <p:cNvSpPr>
+            <a:spLocks noGrp="1"/>
+          </p:cNvSpPr>
+          <p:nvPr>
+            <p:ph type="body" idx="1"/>
+          </p:nvPr>
+        </p:nvSpPr>
+        <p:spPr/>
+        <p:txBody>
+          <a:bodyPr/>
+          <a:lstStyle/>
+          <a:p>
+            <a:r>
+              <a:rPr lang="en-PH" b="0" i="0" u="none" strike="noStrike">
+                <a:solidFill>
+                  <a:srgbClr val="161616"/>
+                </a:solidFill>
+                <a:effectLst/>
+                <a:latin typeface="Segoe UI" panose="020F0502020204030204" pitchFamily="34" charset="0"/>
+              </a:rPr>
+              <a:t>The Query Optimizer uses statistics to create query plans that improve query performance</a:t>
+            </a:r>
+            <a:endParaRPr lang="en-US"/>
+          </a:p>
+        </p:txBody>
+      </p:sp>
+      <p:sp>
+        <p:nvSpPr>
+          <p:cNvPr id="4" name="Slide Number Placeholder 3"/>
+          <p:cNvSpPr>
+            <a:spLocks noGrp="1"/>
+          </p:cNvSpPr>
+          <p:nvPr>
+            <p:ph type="sldNum" sz="quarter" idx="5"/>
+          </p:nvPr>
+        </p:nvSpPr>
+        <p:spPr/>
+        <p:txBody>
+          <a:bodyPr/>
+          <a:lstStyle/>
+          <a:p>
+            <a:fld id="{FE90CCE9-4AAE-4E1F-85AD-521A406D6524}" type="slidenum">
+              <a:rPr lang="en-PH" smtClean="0"/>
+              <a:t>6</a:t>
+            </a:fld>
+            <a:endParaRPr lang="en-PH"/>
+          </a:p>
+        </p:txBody>
+      </p:sp>
+    </p:spTree>
+    <p:extLst>
+      <p:ext uri="{BB962C8B-B14F-4D97-AF65-F5344CB8AC3E}">
+        <p14:creationId xmlns:p14="http://schemas.microsoft.com/office/powerpoint/2010/main" val="3531996100"/>
+      </p:ext>
+    </p:extLst>
+  </p:cSld>
+  <p:clrMapOvr>
+    <a:masterClrMapping/>
+  </p:clrMapOvr>
+</p:notes>
+</file>
+
 <file path=ppt/slideLayouts/slideLayout1.xml><?xml version="1.0" encoding="utf-8"?>
 <p:sldLayout xmlns:a="http://schemas.openxmlformats.org/drawingml/2006/main" xmlns:r="http://schemas.openxmlformats.org/officeDocument/2006/relationships" xmlns:p="http://schemas.openxmlformats.org/presentationml/2006/main" type="title" preserve="1">
   <p:cSld name="Title Slide">
@@ -4452,7 +4546,7 @@
           <a:p>
             <a:fld id="{0CCF0B81-6BD8-4C65-9459-815598C5F1F4}" type="datetimeFigureOut">
               <a:rPr lang="en-PH" smtClean="0"/>
-              <a:t>01/02/2024</a:t>
+              <a:t>2/1/24</a:t>
             </a:fld>
             <a:endParaRPr lang="en-PH"/>
           </a:p>
@@ -4652,7 +4746,7 @@
           <a:p>
             <a:fld id="{0CCF0B81-6BD8-4C65-9459-815598C5F1F4}" type="datetimeFigureOut">
               <a:rPr lang="en-PH" smtClean="0"/>
-              <a:t>01/02/2024</a:t>
+              <a:t>2/1/24</a:t>
             </a:fld>
             <a:endParaRPr lang="en-PH"/>
           </a:p>
@@ -4862,7 +4956,7 @@
           <a:p>
             <a:fld id="{0CCF0B81-6BD8-4C65-9459-815598C5F1F4}" type="datetimeFigureOut">
               <a:rPr lang="en-PH" smtClean="0"/>
-              <a:t>01/02/2024</a:t>
+              <a:t>2/1/24</a:t>
             </a:fld>
             <a:endParaRPr lang="en-PH"/>
           </a:p>
@@ -5062,7 +5156,7 @@
           <a:p>
             <a:fld id="{0CCF0B81-6BD8-4C65-9459-815598C5F1F4}" type="datetimeFigureOut">
               <a:rPr lang="en-PH" smtClean="0"/>
-              <a:t>01/02/2024</a:t>
+              <a:t>2/1/24</a:t>
             </a:fld>
             <a:endParaRPr lang="en-PH"/>
           </a:p>
@@ -5338,7 +5432,7 @@
           <a:p>
             <a:fld id="{0CCF0B81-6BD8-4C65-9459-815598C5F1F4}" type="datetimeFigureOut">
               <a:rPr lang="en-PH" smtClean="0"/>
-              <a:t>01/02/2024</a:t>
+              <a:t>2/1/24</a:t>
             </a:fld>
             <a:endParaRPr lang="en-PH"/>
           </a:p>
@@ -5606,7 +5700,7 @@
           <a:p>
             <a:fld id="{0CCF0B81-6BD8-4C65-9459-815598C5F1F4}" type="datetimeFigureOut">
               <a:rPr lang="en-PH" smtClean="0"/>
-              <a:t>01/02/2024</a:t>
+              <a:t>2/1/24</a:t>
             </a:fld>
             <a:endParaRPr lang="en-PH"/>
           </a:p>
@@ -6021,7 +6115,7 @@
           <a:p>
             <a:fld id="{0CCF0B81-6BD8-4C65-9459-815598C5F1F4}" type="datetimeFigureOut">
               <a:rPr lang="en-PH" smtClean="0"/>
-              <a:t>01/02/2024</a:t>
+              <a:t>2/1/24</a:t>
             </a:fld>
             <a:endParaRPr lang="en-PH"/>
           </a:p>
@@ -6163,7 +6257,7 @@
           <a:p>
             <a:fld id="{0CCF0B81-6BD8-4C65-9459-815598C5F1F4}" type="datetimeFigureOut">
               <a:rPr lang="en-PH" smtClean="0"/>
-              <a:t>01/02/2024</a:t>
+              <a:t>2/1/24</a:t>
             </a:fld>
             <a:endParaRPr lang="en-PH"/>
           </a:p>
@@ -6276,7 +6370,7 @@
           <a:p>
             <a:fld id="{0CCF0B81-6BD8-4C65-9459-815598C5F1F4}" type="datetimeFigureOut">
               <a:rPr lang="en-PH" smtClean="0"/>
-              <a:t>01/02/2024</a:t>
+              <a:t>2/1/24</a:t>
             </a:fld>
             <a:endParaRPr lang="en-PH"/>
           </a:p>
@@ -6589,7 +6683,7 @@
           <a:p>
             <a:fld id="{0CCF0B81-6BD8-4C65-9459-815598C5F1F4}" type="datetimeFigureOut">
               <a:rPr lang="en-PH" smtClean="0"/>
-              <a:t>01/02/2024</a:t>
+              <a:t>2/1/24</a:t>
             </a:fld>
             <a:endParaRPr lang="en-PH"/>
           </a:p>
@@ -6878,7 +6972,7 @@
           <a:p>
             <a:fld id="{0CCF0B81-6BD8-4C65-9459-815598C5F1F4}" type="datetimeFigureOut">
               <a:rPr lang="en-PH" smtClean="0"/>
-              <a:t>01/02/2024</a:t>
+              <a:t>2/1/24</a:t>
             </a:fld>
             <a:endParaRPr lang="en-PH"/>
           </a:p>
@@ -7121,7 +7215,7 @@
           <a:p>
             <a:fld id="{0CCF0B81-6BD8-4C65-9459-815598C5F1F4}" type="datetimeFigureOut">
               <a:rPr lang="en-PH" smtClean="0"/>
-              <a:t>01/02/2024</a:t>
+              <a:t>2/1/24</a:t>
             </a:fld>
             <a:endParaRPr lang="en-PH"/>
           </a:p>
@@ -12271,7 +12365,7 @@
     <p:bg>
       <p:bgPr>
         <a:blipFill dpi="0" rotWithShape="1">
-          <a:blip r:embed="rId2">
+          <a:blip r:embed="rId3">
             <a:alphaModFix amt="99000"/>
             <a:lum/>
           </a:blip>
@@ -12352,7 +12446,7 @@
           <p:nvPr/>
         </p:nvPicPr>
         <p:blipFill>
-          <a:blip r:embed="rId3"/>
+          <a:blip r:embed="rId4"/>
           <a:stretch>
             <a:fillRect/>
           </a:stretch>
@@ -12671,7 +12765,7 @@
           <p:nvPr/>
         </p:nvPicPr>
         <p:blipFill>
-          <a:blip r:embed="rId4"/>
+          <a:blip r:embed="rId5"/>
           <a:stretch>
             <a:fillRect/>
           </a:stretch>
@@ -13086,7 +13180,7 @@
           <p:nvPr/>
         </p:nvPicPr>
         <p:blipFill>
-          <a:blip r:embed="rId5"/>
+          <a:blip r:embed="rId6"/>
           <a:stretch>
             <a:fillRect/>
           </a:stretch>
